--- a/OS/sp17/lectures/OSsp17_lec3_IPC.pptx
+++ b/OS/sp17/lectures/OSsp17_lec3_IPC.pptx
@@ -5,10 +5,10 @@
     <p:sldMasterId id="2147483792" r:id="rId1"/>
   </p:sldMasterIdLst>
   <p:notesMasterIdLst>
-    <p:notesMasterId r:id="rId31"/>
+    <p:notesMasterId r:id="rId32"/>
   </p:notesMasterIdLst>
   <p:handoutMasterIdLst>
-    <p:handoutMasterId r:id="rId32"/>
+    <p:handoutMasterId r:id="rId33"/>
   </p:handoutMasterIdLst>
   <p:sldIdLst>
     <p:sldId id="256" r:id="rId2"/>
@@ -40,6 +40,7 @@
     <p:sldId id="432" r:id="rId28"/>
     <p:sldId id="433" r:id="rId29"/>
     <p:sldId id="385" r:id="rId30"/>
+    <p:sldId id="434" r:id="rId31"/>
   </p:sldIdLst>
   <p:sldSz cx="9144000" cy="6858000" type="screen4x3"/>
   <p:notesSz cx="9144000" cy="6858000"/>
@@ -3469,7 +3470,7 @@
           <a:p>
             <a:fld id="{E115E3EA-87AB-994C-B826-AA521D1FBB52}" type="datetime1">
               <a:rPr lang="en-US" smtClean="0"/>
-              <a:t>1/26/17</a:t>
+              <a:t>2/9/17</a:t>
             </a:fld>
             <a:endParaRPr lang="en-US"/>
           </a:p>
@@ -3666,7 +3667,7 @@
           <a:p>
             <a:fld id="{1530F7B4-C358-3C40-881F-1162680FED70}" type="datetime1">
               <a:rPr lang="en-US" smtClean="0"/>
-              <a:t>1/26/17</a:t>
+              <a:t>2/9/17</a:t>
             </a:fld>
             <a:endParaRPr lang="en-US"/>
           </a:p>
@@ -3872,7 +3873,7 @@
           <a:p>
             <a:fld id="{DFE70C1A-EA0E-C146-8A8A-15905BA215A6}" type="datetime1">
               <a:rPr lang="en-US" smtClean="0"/>
-              <a:t>1/26/17</a:t>
+              <a:t>2/9/17</a:t>
             </a:fld>
             <a:endParaRPr lang="en-US"/>
           </a:p>
@@ -4135,7 +4136,7 @@
           <a:p>
             <a:fld id="{EF9FE9F3-3A14-B94A-B720-6E1D90D2E327}" type="datetime1">
               <a:rPr lang="en-US" smtClean="0"/>
-              <a:t>1/26/17</a:t>
+              <a:t>2/9/17</a:t>
             </a:fld>
             <a:endParaRPr lang="en-US"/>
           </a:p>
@@ -4398,7 +4399,7 @@
           <a:p>
             <a:fld id="{F33F63B7-F0B3-F84B-8FF3-2B66424C89B4}" type="datetime1">
               <a:rPr lang="en-US" smtClean="0"/>
-              <a:t>1/26/17</a:t>
+              <a:t>2/9/17</a:t>
             </a:fld>
             <a:endParaRPr lang="en-US"/>
           </a:p>
@@ -4594,7 +4595,7 @@
           <a:p>
             <a:fld id="{601683D8-0E8C-FC49-89A7-A16C6187B082}" type="datetime1">
               <a:rPr lang="en-US" smtClean="0"/>
-              <a:t>1/26/17</a:t>
+              <a:t>2/9/17</a:t>
             </a:fld>
             <a:endParaRPr lang="en-US"/>
           </a:p>
@@ -4812,7 +4813,7 @@
           <a:p>
             <a:fld id="{155D2B3E-2E2E-DC4B-BD1A-3372F608AE90}" type="datetime1">
               <a:rPr lang="en-US" smtClean="0"/>
-              <a:t>1/26/17</a:t>
+              <a:t>2/9/17</a:t>
             </a:fld>
             <a:endParaRPr lang="en-US"/>
           </a:p>
@@ -5126,7 +5127,7 @@
           <a:p>
             <a:fld id="{11DE4E4E-F4EC-8C41-987B-717C1788DECF}" type="datetime1">
               <a:rPr lang="en-US" smtClean="0"/>
-              <a:t>1/26/17</a:t>
+              <a:t>2/9/17</a:t>
             </a:fld>
             <a:endParaRPr lang="en-US"/>
           </a:p>
@@ -5579,7 +5580,7 @@
           <a:p>
             <a:fld id="{DE92B8DC-D854-6045-8000-884A4A0F5A99}" type="datetime1">
               <a:rPr lang="en-US" smtClean="0"/>
-              <a:t>1/26/17</a:t>
+              <a:t>2/9/17</a:t>
             </a:fld>
             <a:endParaRPr lang="en-US"/>
           </a:p>
@@ -5723,7 +5724,7 @@
           <a:p>
             <a:fld id="{A1E4A1D5-8A1A-1C43-8738-4D5BF0CD4FB5}" type="datetime1">
               <a:rPr lang="en-US" smtClean="0"/>
-              <a:t>1/26/17</a:t>
+              <a:t>2/9/17</a:t>
             </a:fld>
             <a:endParaRPr lang="en-US"/>
           </a:p>
@@ -5844,7 +5845,7 @@
           <a:p>
             <a:fld id="{F3A0C109-5318-7945-8A1A-74AE446D88C2}" type="datetime1">
               <a:rPr lang="en-US" smtClean="0"/>
-              <a:t>1/26/17</a:t>
+              <a:t>2/9/17</a:t>
             </a:fld>
             <a:endParaRPr lang="en-US"/>
           </a:p>
@@ -6147,7 +6148,7 @@
           <a:p>
             <a:fld id="{6D12FC18-7F2E-BA41-8D26-B343560410C2}" type="datetime1">
               <a:rPr lang="en-US" smtClean="0"/>
-              <a:t>1/26/17</a:t>
+              <a:t>2/9/17</a:t>
             </a:fld>
             <a:endParaRPr lang="en-US"/>
           </a:p>
@@ -6427,7 +6428,7 @@
           <a:p>
             <a:fld id="{19A38146-6D2F-674B-AD92-B14F26090539}" type="datetime1">
               <a:rPr lang="en-US" smtClean="0"/>
-              <a:t>1/26/17</a:t>
+              <a:t>2/9/17</a:t>
             </a:fld>
             <a:endParaRPr lang="en-US"/>
           </a:p>
@@ -6726,7 +6727,7 @@
           <a:p>
             <a:fld id="{CC417845-83D8-7544-9737-33E3028B7353}" type="datetime1">
               <a:rPr lang="en-US" smtClean="0"/>
-              <a:t>1/26/17</a:t>
+              <a:t>2/9/17</a:t>
             </a:fld>
             <a:endParaRPr lang="en-US"/>
           </a:p>
@@ -7865,7 +7866,7 @@
           <a:p>
             <a:fld id="{B4105549-05DE-9945-B0D9-3981AE5C5FDF}" type="datetime1">
               <a:rPr lang="en-US" smtClean="0"/>
-              <a:t>1/26/17</a:t>
+              <a:t>2/9/17</a:t>
             </a:fld>
             <a:endParaRPr lang="en-US"/>
           </a:p>
@@ -8212,7 +8213,7 @@
           <a:p>
             <a:fld id="{6C3499F8-8C9D-2D4B-A588-48E25A3ADA54}" type="datetime1">
               <a:rPr lang="en-US" smtClean="0"/>
-              <a:t>1/26/17</a:t>
+              <a:t>2/9/17</a:t>
             </a:fld>
             <a:endParaRPr lang="en-US"/>
           </a:p>
@@ -8606,7 +8607,7 @@
           <a:p>
             <a:fld id="{1B8856FE-3667-A445-9818-1A5386FAA713}" type="datetime1">
               <a:rPr lang="en-US" smtClean="0"/>
-              <a:t>1/26/17</a:t>
+              <a:t>2/9/17</a:t>
             </a:fld>
             <a:endParaRPr lang="en-US"/>
           </a:p>
@@ -10489,7 +10490,7 @@
                 <a:latin typeface="Garamond"/>
                 <a:cs typeface="Garamond"/>
               </a:rPr>
-              <a:t>1/26/17</a:t>
+              <a:t>2/9/17</a:t>
             </a:fld>
             <a:endParaRPr lang="en-US" dirty="0">
               <a:latin typeface="Garamond"/>
@@ -12544,17 +12545,12 @@
             <a:pPr lvl="1"/>
             <a:r>
               <a:rPr lang="en-US" dirty="0" smtClean="0"/>
-              <a:t>More </a:t>
-            </a:r>
-            <a:r>
-              <a:rPr lang="en-US" dirty="0" smtClean="0"/>
-              <a:t>on inter-</a:t>
+              <a:t>More on inter-</a:t>
             </a:r>
             <a:r>
               <a:rPr lang="en-US" smtClean="0"/>
               <a:t>process communication</a:t>
             </a:r>
-            <a:endParaRPr lang="en-US" smtClean="0"/>
           </a:p>
           <a:p>
             <a:pPr lvl="1"/>
@@ -12562,7 +12558,6 @@
               <a:rPr lang="en-US" dirty="0" smtClean="0"/>
               <a:t>Threads</a:t>
             </a:r>
-            <a:endParaRPr lang="en-US" dirty="0" smtClean="0"/>
           </a:p>
           <a:p>
             <a:r>
@@ -12729,7 +12724,7 @@
           <a:p>
             <a:fld id="{81B628FF-85E5-C34E-9D76-1DC4E5CDBC0E}" type="datetime1">
               <a:rPr lang="en-US" smtClean="0"/>
-              <a:t>1/26/17</a:t>
+              <a:t>2/9/17</a:t>
             </a:fld>
             <a:endParaRPr lang="en-US"/>
           </a:p>
@@ -13079,7 +13074,7 @@
           <a:p>
             <a:fld id="{2C985256-70C5-034B-9F71-6F7ACA001D46}" type="datetime1">
               <a:rPr lang="en-US" smtClean="0"/>
-              <a:t>1/26/17</a:t>
+              <a:t>2/9/17</a:t>
             </a:fld>
             <a:endParaRPr lang="en-US"/>
           </a:p>
@@ -13139,6 +13134,197 @@
     <p:extLst>
       <p:ext uri="{BB962C8B-B14F-4D97-AF65-F5344CB8AC3E}">
         <p14:creationId xmlns:p14="http://schemas.microsoft.com/office/powerpoint/2010/main" val="2138344827"/>
+      </p:ext>
+    </p:extLst>
+  </p:cSld>
+  <p:clrMapOvr>
+    <a:masterClrMapping/>
+  </p:clrMapOvr>
+</p:sld>
+</file>
+
+<file path=ppt/slides/slide30.xml><?xml version="1.0" encoding="utf-8"?>
+<p:sld xmlns:a="http://schemas.openxmlformats.org/drawingml/2006/main" xmlns:r="http://schemas.openxmlformats.org/officeDocument/2006/relationships" xmlns:p="http://schemas.openxmlformats.org/presentationml/2006/main">
+  <p:cSld>
+    <p:spTree>
+      <p:nvGrpSpPr>
+        <p:cNvPr id="1" name=""/>
+        <p:cNvGrpSpPr/>
+        <p:nvPr/>
+      </p:nvGrpSpPr>
+      <p:grpSpPr>
+        <a:xfrm>
+          <a:off x="0" y="0"/>
+          <a:ext cx="0" cy="0"/>
+          <a:chOff x="0" y="0"/>
+          <a:chExt cx="0" cy="0"/>
+        </a:xfrm>
+      </p:grpSpPr>
+      <p:sp>
+        <p:nvSpPr>
+          <p:cNvPr id="2" name="Title 1"/>
+          <p:cNvSpPr>
+            <a:spLocks noGrp="1"/>
+          </p:cNvSpPr>
+          <p:nvPr>
+            <p:ph type="title"/>
+          </p:nvPr>
+        </p:nvSpPr>
+        <p:spPr/>
+        <p:txBody>
+          <a:bodyPr/>
+          <a:lstStyle/>
+          <a:p>
+            <a:r>
+              <a:rPr lang="en-US" dirty="0" smtClean="0"/>
+              <a:t>Acknowledgements</a:t>
+            </a:r>
+            <a:endParaRPr lang="en-US" dirty="0"/>
+          </a:p>
+        </p:txBody>
+      </p:sp>
+      <p:sp>
+        <p:nvSpPr>
+          <p:cNvPr id="3" name="Content Placeholder 2"/>
+          <p:cNvSpPr>
+            <a:spLocks noGrp="1"/>
+          </p:cNvSpPr>
+          <p:nvPr>
+            <p:ph idx="1"/>
+          </p:nvPr>
+        </p:nvSpPr>
+        <p:spPr/>
+        <p:txBody>
+          <a:bodyPr/>
+          <a:lstStyle/>
+          <a:p>
+            <a:r>
+              <a:rPr lang="en-US" dirty="0" smtClean="0"/>
+              <a:t>These slides are adapted from the following sources:</a:t>
+            </a:r>
+          </a:p>
+          <a:p>
+            <a:pPr lvl="1"/>
+            <a:r>
+              <a:rPr lang="en-US" dirty="0" err="1" smtClean="0"/>
+              <a:t>Silberschatz</a:t>
+            </a:r>
+            <a:r>
+              <a:rPr lang="en-US" dirty="0" smtClean="0"/>
+              <a:t>, Galvin, &amp; Gagne, </a:t>
+            </a:r>
+            <a:r>
+              <a:rPr lang="en-US" i="1" dirty="0" smtClean="0"/>
+              <a:t>Operating Systems Concepts</a:t>
+            </a:r>
+            <a:r>
+              <a:rPr lang="en-US" dirty="0" smtClean="0"/>
+              <a:t>, 9</a:t>
+            </a:r>
+            <a:r>
+              <a:rPr lang="en-US" baseline="30000" dirty="0" smtClean="0"/>
+              <a:t>th</a:t>
+            </a:r>
+            <a:r>
+              <a:rPr lang="en-US" dirty="0" smtClean="0"/>
+              <a:t> edition</a:t>
+            </a:r>
+          </a:p>
+          <a:p>
+            <a:pPr lvl="1"/>
+            <a:r>
+              <a:rPr lang="en-US" dirty="0" smtClean="0"/>
+              <a:t>Chen &amp; </a:t>
+            </a:r>
+            <a:r>
+              <a:rPr lang="en-US" dirty="0" err="1" smtClean="0"/>
+              <a:t>Madhyastha</a:t>
+            </a:r>
+            <a:r>
+              <a:rPr lang="en-US" dirty="0" smtClean="0"/>
+              <a:t>, EECS 482 lecture notes, University of Michigan, Fall 2016</a:t>
+            </a:r>
+            <a:endParaRPr lang="en-US" dirty="0"/>
+          </a:p>
+        </p:txBody>
+      </p:sp>
+      <p:sp>
+        <p:nvSpPr>
+          <p:cNvPr id="4" name="Date Placeholder 3"/>
+          <p:cNvSpPr>
+            <a:spLocks noGrp="1"/>
+          </p:cNvSpPr>
+          <p:nvPr>
+            <p:ph type="dt" sz="half" idx="10"/>
+          </p:nvPr>
+        </p:nvSpPr>
+        <p:spPr/>
+        <p:txBody>
+          <a:bodyPr/>
+          <a:lstStyle/>
+          <a:p>
+            <a:fld id="{2BD1A3CB-CAD6-FB4B-9A5A-696854FE92B6}" type="datetime1">
+              <a:rPr lang="en-US" smtClean="0"/>
+              <a:t>2/9/17</a:t>
+            </a:fld>
+            <a:endParaRPr lang="en-US"/>
+          </a:p>
+        </p:txBody>
+      </p:sp>
+      <p:sp>
+        <p:nvSpPr>
+          <p:cNvPr id="5" name="Footer Placeholder 4"/>
+          <p:cNvSpPr>
+            <a:spLocks noGrp="1"/>
+          </p:cNvSpPr>
+          <p:nvPr>
+            <p:ph type="ftr" sz="quarter" idx="11"/>
+          </p:nvPr>
+        </p:nvSpPr>
+        <p:spPr/>
+        <p:txBody>
+          <a:bodyPr/>
+          <a:lstStyle/>
+          <a:p>
+            <a:pPr>
+              <a:defRPr/>
+            </a:pPr>
+            <a:r>
+              <a:rPr lang="en-US" altLang="en-US" smtClean="0"/>
+              <a:t>Operating Systems: Lecture 1</a:t>
+            </a:r>
+            <a:endParaRPr lang="en-US" altLang="en-US"/>
+          </a:p>
+        </p:txBody>
+      </p:sp>
+      <p:sp>
+        <p:nvSpPr>
+          <p:cNvPr id="6" name="Slide Number Placeholder 5"/>
+          <p:cNvSpPr>
+            <a:spLocks noGrp="1"/>
+          </p:cNvSpPr>
+          <p:nvPr>
+            <p:ph type="sldNum" sz="quarter" idx="12"/>
+          </p:nvPr>
+        </p:nvSpPr>
+        <p:spPr/>
+        <p:txBody>
+          <a:bodyPr/>
+          <a:lstStyle/>
+          <a:p>
+            <a:fld id="{2907D84A-D9E1-964C-B1EF-5C5C24A64F29}" type="slidenum">
+              <a:rPr lang="en-US" smtClean="0"/>
+              <a:pPr/>
+              <a:t>30</a:t>
+            </a:fld>
+            <a:endParaRPr lang="en-US"/>
+          </a:p>
+        </p:txBody>
+      </p:sp>
+    </p:spTree>
+    <p:extLst>
+      <p:ext uri="{BB962C8B-B14F-4D97-AF65-F5344CB8AC3E}">
+        <p14:creationId xmlns:p14="http://schemas.microsoft.com/office/powerpoint/2010/main" val="155555981"/>
       </p:ext>
     </p:extLst>
   </p:cSld>
@@ -13271,7 +13457,7 @@
           <a:p>
             <a:fld id="{2F45347D-F5B3-2842-8227-CB0062667815}" type="datetime1">
               <a:rPr lang="en-US" smtClean="0"/>
-              <a:t>1/26/17</a:t>
+              <a:t>2/9/17</a:t>
             </a:fld>
             <a:endParaRPr lang="en-US"/>
           </a:p>
@@ -13837,7 +14023,7 @@
           <a:p>
             <a:fld id="{96A9A0BA-2949-5542-99FD-06DFCB45F7B6}" type="datetime1">
               <a:rPr lang="en-US" smtClean="0"/>
-              <a:t>1/26/17</a:t>
+              <a:t>2/9/17</a:t>
             </a:fld>
             <a:endParaRPr lang="en-US"/>
           </a:p>
@@ -14087,7 +14273,7 @@
           <a:p>
             <a:fld id="{889C8665-757C-B145-96E6-ED3F1A7F1E23}" type="datetime1">
               <a:rPr lang="en-US" smtClean="0"/>
-              <a:t>1/26/17</a:t>
+              <a:t>2/9/17</a:t>
             </a:fld>
             <a:endParaRPr lang="en-US"/>
           </a:p>
@@ -14402,7 +14588,7 @@
           <a:p>
             <a:fld id="{7EF039E0-2474-4445-9F15-F9730B3C566D}" type="datetime1">
               <a:rPr lang="en-US" smtClean="0"/>
-              <a:t>1/26/17</a:t>
+              <a:t>2/9/17</a:t>
             </a:fld>
             <a:endParaRPr lang="en-US"/>
           </a:p>
@@ -14777,7 +14963,7 @@
           <a:p>
             <a:fld id="{E0AA2E6B-716F-5744-A573-ADC04FCA3008}" type="datetime1">
               <a:rPr lang="en-US" smtClean="0"/>
-              <a:t>1/26/17</a:t>
+              <a:t>2/9/17</a:t>
             </a:fld>
             <a:endParaRPr lang="en-US"/>
           </a:p>
@@ -15132,7 +15318,7 @@
           <a:p>
             <a:fld id="{8C6B1CE0-AD0E-D748-8EA3-1704D3C6F925}" type="datetime1">
               <a:rPr lang="en-US" smtClean="0"/>
-              <a:t>1/26/17</a:t>
+              <a:t>2/9/17</a:t>
             </a:fld>
             <a:endParaRPr lang="en-US"/>
           </a:p>
